--- a/Vortrag/05_ModernCPPConcepts_Part1 - Kopie.pptx
+++ b/Vortrag/05_ModernCPPConcepts_Part1 - Kopie.pptx
@@ -5,10 +5,10 @@
     <p:sldMasterId id="2147483669" r:id="rId4"/>
   </p:sldMasterIdLst>
   <p:notesMasterIdLst>
-    <p:notesMasterId r:id="rId20"/>
+    <p:notesMasterId r:id="rId21"/>
   </p:notesMasterIdLst>
   <p:handoutMasterIdLst>
-    <p:handoutMasterId r:id="rId21"/>
+    <p:handoutMasterId r:id="rId22"/>
   </p:handoutMasterIdLst>
   <p:sldIdLst>
     <p:sldId id="256" r:id="rId5"/>
@@ -21,16 +21,17 @@
     <p:sldId id="576" r:id="rId12"/>
     <p:sldId id="574" r:id="rId13"/>
     <p:sldId id="575" r:id="rId14"/>
-    <p:sldId id="484" r:id="rId15"/>
-    <p:sldId id="572" r:id="rId16"/>
-    <p:sldId id="477" r:id="rId17"/>
-    <p:sldId id="482" r:id="rId18"/>
-    <p:sldId id="409" r:id="rId19"/>
+    <p:sldId id="577" r:id="rId15"/>
+    <p:sldId id="484" r:id="rId16"/>
+    <p:sldId id="572" r:id="rId17"/>
+    <p:sldId id="477" r:id="rId18"/>
+    <p:sldId id="482" r:id="rId19"/>
+    <p:sldId id="409" r:id="rId20"/>
   </p:sldIdLst>
   <p:sldSz cx="12192000" cy="6858000"/>
   <p:notesSz cx="6797675" cy="9926638"/>
   <p:custDataLst>
-    <p:tags r:id="rId22"/>
+    <p:tags r:id="rId23"/>
   </p:custDataLst>
   <p:defaultTextStyle>
     <a:defPPr>
@@ -150,6 +151,7 @@
             <p14:sldId id="576"/>
             <p14:sldId id="574"/>
             <p14:sldId id="575"/>
+            <p14:sldId id="577"/>
             <p14:sldId id="484"/>
             <p14:sldId id="572"/>
           </p14:sldIdLst>
@@ -406,7 +408,7 @@
             <a:fld id="{3B1880FF-5A4E-4F25-9CEE-0D75F7C3E5E1}" type="datetimeFigureOut">
               <a:rPr lang="de-DE" smtClean="0"/>
               <a:pPr/>
-              <a:t>11.09.2024</a:t>
+              <a:t>19.09.2024</a:t>
             </a:fld>
             <a:endParaRPr lang="de-DE"/>
           </a:p>
@@ -506,7 +508,7 @@
             <a:fld id="{4D31F1D7-8377-4A76-8F5D-3E76EEE25737}" type="datetimeFigureOut">
               <a:rPr lang="en-US" smtClean="0"/>
               <a:pPr/>
-              <a:t>9/11/2024</a:t>
+              <a:t>9/19/2024</a:t>
             </a:fld>
             <a:endParaRPr lang="en-US" dirty="0"/>
           </a:p>
@@ -1331,7 +1333,7 @@
             <a:fld id="{45A0C133-2FF1-4A65-8FB9-994063EC256F}" type="slidenum">
               <a:rPr lang="en-US" smtClean="0"/>
               <a:pPr/>
-              <a:t>15</a:t>
+              <a:t>16</a:t>
             </a:fld>
             <a:endParaRPr lang="en-US" dirty="0"/>
           </a:p>
@@ -2818,7 +2820,7 @@
           <a:graphicData uri="http://schemas.openxmlformats.org/presentationml/2006/ole">
             <mc:AlternateContent xmlns:mc="http://schemas.openxmlformats.org/markup-compatibility/2006">
               <mc:Choice xmlns:v="urn:schemas-microsoft-com:vml" Requires="v">
-                <p:oleObj spid="_x0000_s1166" name="think-cell Folie" r:id="rId10" imgW="347" imgH="348" progId="TCLayout.ActiveDocument.1">
+                <p:oleObj spid="_x0000_s1168" name="think-cell Folie" r:id="rId10" imgW="347" imgH="348" progId="TCLayout.ActiveDocument.1">
                   <p:embed/>
                 </p:oleObj>
               </mc:Choice>
@@ -5016,6 +5018,70 @@
           </a:fontRef>
         </p:style>
       </p:cxnSp>
+      <p:sp>
+        <p:nvSpPr>
+          <p:cNvPr id="3" name="Textfeld 2"/>
+          <p:cNvSpPr txBox="1"/>
+          <p:nvPr/>
+        </p:nvSpPr>
+        <p:spPr>
+          <a:xfrm>
+            <a:off x="3460950" y="2834533"/>
+            <a:ext cx="1152128" cy="307777"/>
+          </a:xfrm>
+          <a:prstGeom prst="rect">
+            <a:avLst/>
+          </a:prstGeom>
+          <a:noFill/>
+        </p:spPr>
+        <p:txBody>
+          <a:bodyPr wrap="square" rtlCol="0">
+            <a:spAutoFit/>
+          </a:bodyPr>
+          <a:lstStyle/>
+          <a:p>
+            <a:r>
+              <a:rPr lang="de-DE" sz="1400" dirty="0" smtClean="0"/>
+              <a:t>Crossbar</a:t>
+            </a:r>
+            <a:endParaRPr lang="de-DE" sz="1400" dirty="0"/>
+          </a:p>
+        </p:txBody>
+      </p:sp>
+      <p:sp>
+        <p:nvSpPr>
+          <p:cNvPr id="5" name="Textfeld 4"/>
+          <p:cNvSpPr txBox="1"/>
+          <p:nvPr/>
+        </p:nvSpPr>
+        <p:spPr>
+          <a:xfrm>
+            <a:off x="3345145" y="4190558"/>
+            <a:ext cx="2088232" cy="307777"/>
+          </a:xfrm>
+          <a:prstGeom prst="rect">
+            <a:avLst/>
+          </a:prstGeom>
+          <a:noFill/>
+        </p:spPr>
+        <p:txBody>
+          <a:bodyPr wrap="square" rtlCol="0">
+            <a:spAutoFit/>
+          </a:bodyPr>
+          <a:lstStyle/>
+          <a:p>
+            <a:r>
+              <a:rPr lang="de-DE" sz="1400" dirty="0" err="1" smtClean="0"/>
+              <a:t>Peripheral</a:t>
+            </a:r>
+            <a:r>
+              <a:rPr lang="de-DE" sz="1400" dirty="0" smtClean="0"/>
+              <a:t> Bus</a:t>
+            </a:r>
+            <a:endParaRPr lang="de-DE" sz="1400" dirty="0"/>
+          </a:p>
+        </p:txBody>
+      </p:sp>
     </p:spTree>
     <p:extLst>
       <p:ext uri="{BB962C8B-B14F-4D97-AF65-F5344CB8AC3E}">
@@ -5055,7 +5121,7 @@
       </p:grpSpPr>
       <p:sp>
         <p:nvSpPr>
-          <p:cNvPr id="5" name="Textplatzhalter 4"/>
+          <p:cNvPr id="2" name="Textplatzhalter 1"/>
           <p:cNvSpPr>
             <a:spLocks noGrp="1"/>
           </p:cNvSpPr>
@@ -5068,27 +5134,13 @@
           <a:bodyPr/>
           <a:lstStyle/>
           <a:p>
-            <a:r>
-              <a:rPr lang="en-US" dirty="0">
-                <a:solidFill>
-                  <a:schemeClr val="bg2"/>
-                </a:solidFill>
-              </a:rPr>
-              <a:t>What is modern C++?</a:t>
-            </a:r>
-          </a:p>
-          <a:p>
-            <a:r>
-              <a:rPr lang="en-US" dirty="0" smtClean="0"/>
-              <a:t>History</a:t>
-            </a:r>
-            <a:endParaRPr lang="en-US" dirty="0"/>
+            <a:endParaRPr lang="de-DE"/>
           </a:p>
         </p:txBody>
       </p:sp>
       <p:sp>
         <p:nvSpPr>
-          <p:cNvPr id="4" name="Textplatzhalter 3"/>
+          <p:cNvPr id="3" name="Textplatzhalter 2"/>
           <p:cNvSpPr>
             <a:spLocks noGrp="1"/>
           </p:cNvSpPr>
@@ -5096,122 +5148,49 @@
             <p:ph type="body" sz="quarter" idx="10"/>
           </p:nvPr>
         </p:nvSpPr>
-        <p:spPr>
-          <a:xfrm>
-            <a:off x="334800" y="980728"/>
-            <a:ext cx="11017784" cy="4968552"/>
-          </a:xfrm>
-        </p:spPr>
+        <p:spPr/>
         <p:txBody>
           <a:bodyPr/>
           <a:lstStyle/>
           <a:p>
-            <a:r>
-              <a:rPr lang="en-US" sz="1400" dirty="0" smtClean="0"/>
-              <a:t>General:</a:t>
-            </a:r>
-          </a:p>
-          <a:p>
-            <a:r>
-              <a:rPr lang="en-US" sz="1400" dirty="0" smtClean="0"/>
-              <a:t>C library should only be accessed by C++ library headers</a:t>
-            </a:r>
-          </a:p>
-          <a:p>
-            <a:r>
-              <a:rPr lang="en-US" sz="1400" dirty="0" smtClean="0"/>
-              <a:t>No C Style casts due to lack of compile-time error validation</a:t>
-            </a:r>
-          </a:p>
-          <a:p>
-            <a:r>
-              <a:rPr lang="en-US" sz="1400" dirty="0" smtClean="0"/>
-              <a:t>Avoid recursion, a function should not call itself directly or indirectly</a:t>
-            </a:r>
-          </a:p>
-          <a:p>
-            <a:r>
-              <a:rPr lang="en-US" sz="1400" dirty="0" smtClean="0"/>
-              <a:t>Return values as </a:t>
-            </a:r>
-            <a:r>
-              <a:rPr lang="en-US" sz="1400" dirty="0" err="1" smtClean="0"/>
-              <a:t>structs</a:t>
-            </a:r>
-            <a:r>
-              <a:rPr lang="en-US" sz="1400" dirty="0" smtClean="0"/>
-              <a:t> or tuples</a:t>
-            </a:r>
-          </a:p>
-          <a:p>
-            <a:r>
-              <a:rPr lang="en-US" sz="1400" dirty="0" smtClean="0"/>
-              <a:t>Do not derive classes from more than one base class which is not an interface class. This increases code maintainability</a:t>
-            </a:r>
-          </a:p>
-          <a:p>
-            <a:r>
-              <a:rPr lang="en-US" sz="1400" dirty="0"/>
-              <a:t>Do no use Unions, they are not type safe </a:t>
-            </a:r>
-          </a:p>
-          <a:p>
-            <a:r>
-              <a:rPr lang="en-US" sz="1400" dirty="0" err="1"/>
-              <a:t>Structs</a:t>
-            </a:r>
-            <a:r>
-              <a:rPr lang="en-US" sz="1400" dirty="0"/>
-              <a:t> should only provide public data members, clear differentiation between </a:t>
-            </a:r>
-            <a:r>
-              <a:rPr lang="en-US" sz="1400" dirty="0" err="1"/>
-              <a:t>structs</a:t>
-            </a:r>
-            <a:r>
-              <a:rPr lang="en-US" sz="1400" dirty="0"/>
-              <a:t> and classes</a:t>
-            </a:r>
-          </a:p>
-          <a:p>
-            <a:r>
-              <a:rPr lang="en-US" sz="1400" dirty="0" smtClean="0"/>
-              <a:t>#pragma directive should not be used: it is implementation-defined and can behave differently accordingly. Use #</a:t>
-            </a:r>
-            <a:r>
-              <a:rPr lang="en-US" sz="1400" dirty="0" err="1" smtClean="0"/>
-              <a:t>ifndef</a:t>
-            </a:r>
-            <a:r>
-              <a:rPr lang="en-US" sz="1400" dirty="0" smtClean="0"/>
-              <a:t>, #define instead</a:t>
-            </a:r>
-          </a:p>
-          <a:p>
-            <a:endParaRPr lang="en-US" sz="1400" dirty="0" smtClean="0"/>
-          </a:p>
-          <a:p>
-            <a:endParaRPr lang="en-US" dirty="0" smtClean="0"/>
+            <a:endParaRPr lang="de-DE"/>
+          </a:p>
+        </p:txBody>
+      </p:sp>
+      <p:sp>
+        <p:nvSpPr>
+          <p:cNvPr id="4" name="Foliennummernplatzhalter 3"/>
+          <p:cNvSpPr>
+            <a:spLocks noGrp="1"/>
+          </p:cNvSpPr>
+          <p:nvPr>
+            <p:ph type="sldNum" sz="quarter" idx="4"/>
+          </p:nvPr>
+        </p:nvSpPr>
+        <p:spPr/>
+        <p:txBody>
+          <a:bodyPr/>
+          <a:lstStyle/>
+          <a:p>
+            <a:fld id="{F58435E4-A45A-4423-96D3-4E945C512564}" type="slidenum">
+              <a:rPr lang="en-US" smtClean="0"/>
+              <a:pPr/>
+              <a:t>11</a:t>
+            </a:fld>
+            <a:endParaRPr lang="en-US" dirty="0"/>
           </a:p>
         </p:txBody>
       </p:sp>
     </p:spTree>
     <p:extLst>
       <p:ext uri="{BB962C8B-B14F-4D97-AF65-F5344CB8AC3E}">
-        <p14:creationId xmlns:p14="http://schemas.microsoft.com/office/powerpoint/2010/main" val="2355234362"/>
+        <p14:creationId xmlns:p14="http://schemas.microsoft.com/office/powerpoint/2010/main" val="4176855267"/>
       </p:ext>
     </p:extLst>
   </p:cSld>
   <p:clrMapOvr>
     <a:masterClrMapping/>
   </p:clrMapOvr>
-  <p:timing>
-    <p:tnLst>
-      <p:par>
-        <p:cTn id="1" dur="indefinite" restart="never" nodeType="tmRoot"/>
-      </p:par>
-    </p:tnLst>
-  </p:timing>
 </p:sld>
 </file>
 
@@ -5278,7 +5257,7 @@
         <p:spPr>
           <a:xfrm>
             <a:off x="334800" y="980728"/>
-            <a:ext cx="11593848" cy="4968552"/>
+            <a:ext cx="11017784" cy="4968552"/>
           </a:xfrm>
         </p:spPr>
         <p:txBody>
@@ -5286,215 +5265,98 @@
           <a:lstStyle/>
           <a:p>
             <a:r>
-              <a:rPr lang="en-US" sz="1200" dirty="0" smtClean="0"/>
-              <a:t>Embedded Specific:</a:t>
-            </a:r>
-          </a:p>
-          <a:p>
-            <a:r>
-              <a:rPr lang="en-US" sz="1200" dirty="0" smtClean="0"/>
-              <a:t>Basic numerical types of char, </a:t>
-            </a:r>
-            <a:r>
-              <a:rPr lang="en-US" sz="1200" dirty="0" err="1" smtClean="0"/>
-              <a:t>int</a:t>
-            </a:r>
-            <a:r>
-              <a:rPr lang="en-US" sz="1200" dirty="0" smtClean="0"/>
-              <a:t>, short, long should not be used, specific-length types from &lt;</a:t>
-            </a:r>
-            <a:r>
-              <a:rPr lang="en-US" sz="1200" dirty="0" err="1" smtClean="0"/>
-              <a:t>cstdint</a:t>
-            </a:r>
-            <a:r>
-              <a:rPr lang="en-US" sz="1200" dirty="0" smtClean="0"/>
-              <a:t>&gt; should be used</a:t>
-            </a:r>
-          </a:p>
-          <a:p>
-            <a:r>
-              <a:rPr lang="en-US" sz="1200" dirty="0" smtClean="0"/>
-              <a:t>No Dynamic casts due to performance and memory reasons</a:t>
-            </a:r>
-          </a:p>
-          <a:p>
-            <a:r>
-              <a:rPr lang="en-US" sz="1200" dirty="0" smtClean="0"/>
-              <a:t>Inline assembly code should be avoided. If assembly code is required it should be encapsulated and isolated</a:t>
-            </a:r>
-          </a:p>
-          <a:p>
-            <a:r>
-              <a:rPr lang="en-US" sz="1200" dirty="0" smtClean="0"/>
+              <a:rPr lang="en-US" sz="1400" dirty="0" smtClean="0"/>
+              <a:t>General:</a:t>
+            </a:r>
+          </a:p>
+          <a:p>
+            <a:r>
+              <a:rPr lang="en-US" sz="1400" dirty="0" smtClean="0"/>
+              <a:t>C library should only be accessed by C++ library headers</a:t>
+            </a:r>
+          </a:p>
+          <a:p>
+            <a:r>
+              <a:rPr lang="en-US" sz="1400" dirty="0" smtClean="0"/>
+              <a:t>No C Style casts due to lack of compile-time error validation</a:t>
+            </a:r>
+          </a:p>
+          <a:p>
+            <a:r>
+              <a:rPr lang="en-US" sz="1400" dirty="0" smtClean="0"/>
               <a:t>Avoid recursion, a function should not call itself directly or indirectly</a:t>
             </a:r>
           </a:p>
           <a:p>
             <a:r>
-              <a:rPr lang="en-US" sz="1200" dirty="0" smtClean="0"/>
-              <a:t>Analyze failure modes of exception handling: exception handling should be deterministic</a:t>
-            </a:r>
-          </a:p>
-          <a:p>
-            <a:r>
-              <a:rPr lang="en-US" sz="1200" dirty="0" smtClean="0"/>
-              <a:t>Worst case execution time analysis shall be performed on the software</a:t>
-            </a:r>
-          </a:p>
-          <a:p>
-            <a:r>
-              <a:rPr lang="en-US" sz="1200" dirty="0" smtClean="0"/>
-              <a:t>Exceptions should only be raised after startup and before termination, unchecked exception should only be handled in main or thread main. The program can not recover from these exception therefore it should be handled in one common handler</a:t>
-            </a:r>
-          </a:p>
-          <a:p>
-            <a:r>
-              <a:rPr lang="en-US" sz="1200" dirty="0" smtClean="0"/>
-              <a:t>Program should not be abruptly terminated, in particular no invocation </a:t>
-            </a:r>
-            <a:r>
-              <a:rPr lang="en-US" sz="1200" dirty="0"/>
-              <a:t>of </a:t>
-            </a:r>
-            <a:r>
-              <a:rPr lang="en-US" sz="1200" dirty="0" err="1"/>
-              <a:t>std</a:t>
-            </a:r>
-            <a:r>
-              <a:rPr lang="en-US" sz="1200" dirty="0"/>
-              <a:t>::abort(), </a:t>
-            </a:r>
-            <a:r>
-              <a:rPr lang="en-US" sz="1200" dirty="0" err="1"/>
-              <a:t>std</a:t>
-            </a:r>
-            <a:r>
-              <a:rPr lang="en-US" sz="1200" dirty="0"/>
-              <a:t>::</a:t>
-            </a:r>
-            <a:r>
-              <a:rPr lang="en-US" sz="1200" dirty="0" err="1"/>
-              <a:t>quick_exit</a:t>
-            </a:r>
-            <a:r>
-              <a:rPr lang="en-US" sz="1200" dirty="0"/>
-              <a:t>(), </a:t>
-            </a:r>
-            <a:r>
-              <a:rPr lang="en-US" sz="1200" dirty="0" err="1"/>
-              <a:t>std</a:t>
-            </a:r>
-            <a:r>
-              <a:rPr lang="en-US" sz="1200" dirty="0"/>
-              <a:t>::_Exit(), </a:t>
-            </a:r>
-            <a:r>
-              <a:rPr lang="en-US" sz="1200" dirty="0" err="1"/>
-              <a:t>std</a:t>
-            </a:r>
-            <a:r>
-              <a:rPr lang="en-US" sz="1200" dirty="0"/>
-              <a:t>::terminate() </a:t>
-            </a:r>
-            <a:endParaRPr lang="en-US" sz="1200" b="1" dirty="0"/>
-          </a:p>
-          <a:p>
-            <a:r>
-              <a:rPr lang="en-US" sz="1200" dirty="0"/>
-              <a:t>Memory management functions shall ensure the following: (a) deterministic behavior resulting with the existence of worst-case execution time, (b) avoiding memory fragmentation, (c) avoid running out of memory, (d) avoiding mismatched allocations or deallocations, (e) no dependence on non-deterministic calls to kernel</a:t>
-            </a:r>
-            <a:r>
-              <a:rPr lang="en-US" sz="1200" dirty="0" smtClean="0"/>
-              <a:t>.</a:t>
-            </a:r>
-          </a:p>
-          <a:p>
-            <a:r>
-              <a:rPr lang="en-US" sz="1200" dirty="0" smtClean="0"/>
-              <a:t>Dynamic memory:</a:t>
-            </a:r>
-          </a:p>
-          <a:p>
-            <a:pPr lvl="1"/>
-            <a:r>
-              <a:rPr lang="en-US" sz="1200" dirty="0" smtClean="0"/>
-              <a:t>Follow RAII if possible. It is not allowed to make calls to new and delete explicitly.</a:t>
-            </a:r>
-          </a:p>
-          <a:p>
-            <a:pPr lvl="1"/>
-            <a:r>
-              <a:rPr lang="en-US" sz="1200" dirty="0" smtClean="0"/>
-              <a:t>Memory allocators should guarantee no memory fragmentation</a:t>
-            </a:r>
-          </a:p>
-          <a:p>
-            <a:pPr lvl="1"/>
-            <a:r>
-              <a:rPr lang="en-US" sz="1200" dirty="0"/>
-              <a:t>No C-style memory allocation and deallocation allowed. They are not type safe and do not invoke class constructors and </a:t>
-            </a:r>
-            <a:r>
-              <a:rPr lang="en-US" sz="1200" dirty="0" err="1"/>
-              <a:t>deconstructors</a:t>
-            </a:r>
-            <a:r>
-              <a:rPr lang="en-US" sz="1200" dirty="0"/>
-              <a:t> </a:t>
-            </a:r>
-          </a:p>
-          <a:p>
-            <a:pPr lvl="1"/>
-            <a:r>
-              <a:rPr lang="en-US" sz="1200" dirty="0" smtClean="0"/>
-              <a:t>Application needs to define the maximum amount of dynamic memory it needs, running out of memory must not </a:t>
-            </a:r>
-            <a:r>
-              <a:rPr lang="en-US" sz="1200" dirty="0" err="1" smtClean="0"/>
-              <a:t>occure</a:t>
-            </a:r>
-            <a:r>
-              <a:rPr lang="en-US" sz="1200" dirty="0" smtClean="0"/>
-              <a:t> during faultless execution. Memory should be pre-allocated before run-time phase</a:t>
-            </a:r>
-          </a:p>
-          <a:p>
-            <a:pPr lvl="1"/>
-            <a:r>
-              <a:rPr lang="en-US" sz="1200" dirty="0" smtClean="0"/>
-              <a:t>Memory allocator and </a:t>
-            </a:r>
-            <a:r>
-              <a:rPr lang="en-US" sz="1200" dirty="0" err="1" smtClean="0"/>
-              <a:t>deallocators</a:t>
-            </a:r>
-            <a:r>
-              <a:rPr lang="en-US" sz="1200" dirty="0" smtClean="0"/>
-              <a:t> should guarantee a defined time constraint to ensure real time capability of the software</a:t>
-            </a:r>
-            <a:r>
-              <a:rPr lang="en-US" sz="1200" dirty="0"/>
-              <a:t/>
-            </a:r>
-            <a:br>
-              <a:rPr lang="en-US" sz="1200" dirty="0"/>
-            </a:br>
-            <a:r>
-              <a:rPr lang="en-US" sz="1200" dirty="0"/>
-              <a:t/>
-            </a:r>
-            <a:br>
-              <a:rPr lang="en-US" sz="1200" dirty="0"/>
-            </a:br>
-            <a:endParaRPr lang="en-US" sz="1200" dirty="0" smtClean="0"/>
+              <a:rPr lang="en-US" sz="1400" dirty="0" smtClean="0"/>
+              <a:t>Return values as </a:t>
+            </a:r>
+            <a:r>
+              <a:rPr lang="en-US" sz="1400" dirty="0" err="1" smtClean="0"/>
+              <a:t>structs</a:t>
+            </a:r>
+            <a:r>
+              <a:rPr lang="en-US" sz="1400" dirty="0" smtClean="0"/>
+              <a:t> or tuples</a:t>
+            </a:r>
+          </a:p>
+          <a:p>
+            <a:r>
+              <a:rPr lang="en-US" sz="1400" dirty="0" smtClean="0"/>
+              <a:t>Do not derive classes from more than one base class which is not an interface class. This increases code maintainability</a:t>
+            </a:r>
+          </a:p>
+          <a:p>
+            <a:r>
+              <a:rPr lang="en-US" sz="1400" dirty="0"/>
+              <a:t>Do no use Unions, they are not type safe </a:t>
+            </a:r>
+          </a:p>
+          <a:p>
+            <a:r>
+              <a:rPr lang="en-US" sz="1400" dirty="0" err="1"/>
+              <a:t>Structs</a:t>
+            </a:r>
+            <a:r>
+              <a:rPr lang="en-US" sz="1400" dirty="0"/>
+              <a:t> should only provide public data members, clear differentiation between </a:t>
+            </a:r>
+            <a:r>
+              <a:rPr lang="en-US" sz="1400" dirty="0" err="1"/>
+              <a:t>structs</a:t>
+            </a:r>
+            <a:r>
+              <a:rPr lang="en-US" sz="1400" dirty="0"/>
+              <a:t> and classes</a:t>
+            </a:r>
+          </a:p>
+          <a:p>
+            <a:r>
+              <a:rPr lang="en-US" sz="1400" dirty="0" smtClean="0"/>
+              <a:t>#pragma directive should not be used: it is implementation-defined and can behave differently accordingly. Use #</a:t>
+            </a:r>
+            <a:r>
+              <a:rPr lang="en-US" sz="1400" dirty="0" err="1" smtClean="0"/>
+              <a:t>ifndef</a:t>
+            </a:r>
+            <a:r>
+              <a:rPr lang="en-US" sz="1400" dirty="0" smtClean="0"/>
+              <a:t>, #define instead</a:t>
+            </a:r>
+          </a:p>
+          <a:p>
+            <a:endParaRPr lang="en-US" sz="1400" dirty="0" smtClean="0"/>
+          </a:p>
+          <a:p>
+            <a:endParaRPr lang="en-US" dirty="0" smtClean="0"/>
           </a:p>
         </p:txBody>
       </p:sp>
     </p:spTree>
     <p:extLst>
       <p:ext uri="{BB962C8B-B14F-4D97-AF65-F5344CB8AC3E}">
-        <p14:creationId xmlns:p14="http://schemas.microsoft.com/office/powerpoint/2010/main" val="1215931702"/>
+        <p14:creationId xmlns:p14="http://schemas.microsoft.com/office/powerpoint/2010/main" val="2355234362"/>
       </p:ext>
     </p:extLst>
   </p:cSld>
@@ -5544,6 +5406,302 @@
           <a:lstStyle/>
           <a:p>
             <a:r>
+              <a:rPr lang="en-US" dirty="0">
+                <a:solidFill>
+                  <a:schemeClr val="bg2"/>
+                </a:solidFill>
+              </a:rPr>
+              <a:t>What is modern C++?</a:t>
+            </a:r>
+          </a:p>
+          <a:p>
+            <a:r>
+              <a:rPr lang="en-US" dirty="0" smtClean="0"/>
+              <a:t>History</a:t>
+            </a:r>
+            <a:endParaRPr lang="en-US" dirty="0"/>
+          </a:p>
+        </p:txBody>
+      </p:sp>
+      <p:sp>
+        <p:nvSpPr>
+          <p:cNvPr id="4" name="Textplatzhalter 3"/>
+          <p:cNvSpPr>
+            <a:spLocks noGrp="1"/>
+          </p:cNvSpPr>
+          <p:nvPr>
+            <p:ph type="body" sz="quarter" idx="10"/>
+          </p:nvPr>
+        </p:nvSpPr>
+        <p:spPr>
+          <a:xfrm>
+            <a:off x="334800" y="980728"/>
+            <a:ext cx="11593848" cy="4968552"/>
+          </a:xfrm>
+        </p:spPr>
+        <p:txBody>
+          <a:bodyPr/>
+          <a:lstStyle/>
+          <a:p>
+            <a:r>
+              <a:rPr lang="en-US" sz="1200" dirty="0" smtClean="0"/>
+              <a:t>Embedded Specific:</a:t>
+            </a:r>
+          </a:p>
+          <a:p>
+            <a:r>
+              <a:rPr lang="en-US" sz="1200" dirty="0" smtClean="0"/>
+              <a:t>Basic numerical types of char, </a:t>
+            </a:r>
+            <a:r>
+              <a:rPr lang="en-US" sz="1200" dirty="0" err="1" smtClean="0"/>
+              <a:t>int</a:t>
+            </a:r>
+            <a:r>
+              <a:rPr lang="en-US" sz="1200" dirty="0" smtClean="0"/>
+              <a:t>, short, long should not be used, specific-length types from &lt;</a:t>
+            </a:r>
+            <a:r>
+              <a:rPr lang="en-US" sz="1200" dirty="0" err="1" smtClean="0"/>
+              <a:t>cstdint</a:t>
+            </a:r>
+            <a:r>
+              <a:rPr lang="en-US" sz="1200" dirty="0" smtClean="0"/>
+              <a:t>&gt; should be used</a:t>
+            </a:r>
+          </a:p>
+          <a:p>
+            <a:r>
+              <a:rPr lang="en-US" sz="1200" dirty="0" smtClean="0"/>
+              <a:t>No Dynamic casts due to performance and memory reasons</a:t>
+            </a:r>
+          </a:p>
+          <a:p>
+            <a:r>
+              <a:rPr lang="en-US" sz="1200" dirty="0" smtClean="0"/>
+              <a:t>Inline assembly code should be avoided. If assembly code is required it should be encapsulated and isolated</a:t>
+            </a:r>
+          </a:p>
+          <a:p>
+            <a:r>
+              <a:rPr lang="en-US" sz="1200" dirty="0" smtClean="0"/>
+              <a:t>Avoid recursion, a function should not call itself directly or indirectly</a:t>
+            </a:r>
+          </a:p>
+          <a:p>
+            <a:r>
+              <a:rPr lang="en-US" sz="1200" dirty="0" smtClean="0"/>
+              <a:t>Analyze failure modes of exception handling: exception handling should be deterministic</a:t>
+            </a:r>
+          </a:p>
+          <a:p>
+            <a:r>
+              <a:rPr lang="en-US" sz="1200" dirty="0" smtClean="0"/>
+              <a:t>Worst case execution time analysis shall be performed on the software</a:t>
+            </a:r>
+          </a:p>
+          <a:p>
+            <a:r>
+              <a:rPr lang="en-US" sz="1200" dirty="0" smtClean="0"/>
+              <a:t>Exceptions should only be raised after startup and before termination, unchecked exception should only be handled in main or thread main. The program can not recover from these exception therefore it should be handled in one common handler</a:t>
+            </a:r>
+          </a:p>
+          <a:p>
+            <a:r>
+              <a:rPr lang="en-US" sz="1200" dirty="0" smtClean="0"/>
+              <a:t>Program should not be abruptly terminated, in particular no invocation </a:t>
+            </a:r>
+            <a:r>
+              <a:rPr lang="en-US" sz="1200" dirty="0"/>
+              <a:t>of </a:t>
+            </a:r>
+            <a:r>
+              <a:rPr lang="en-US" sz="1200" dirty="0" err="1"/>
+              <a:t>std</a:t>
+            </a:r>
+            <a:r>
+              <a:rPr lang="en-US" sz="1200" dirty="0"/>
+              <a:t>::abort(), </a:t>
+            </a:r>
+            <a:r>
+              <a:rPr lang="en-US" sz="1200" dirty="0" err="1"/>
+              <a:t>std</a:t>
+            </a:r>
+            <a:r>
+              <a:rPr lang="en-US" sz="1200" dirty="0"/>
+              <a:t>::</a:t>
+            </a:r>
+            <a:r>
+              <a:rPr lang="en-US" sz="1200" dirty="0" err="1"/>
+              <a:t>quick_exit</a:t>
+            </a:r>
+            <a:r>
+              <a:rPr lang="en-US" sz="1200" dirty="0"/>
+              <a:t>(), </a:t>
+            </a:r>
+            <a:r>
+              <a:rPr lang="en-US" sz="1200" dirty="0" err="1"/>
+              <a:t>std</a:t>
+            </a:r>
+            <a:r>
+              <a:rPr lang="en-US" sz="1200" dirty="0"/>
+              <a:t>::_Exit(), </a:t>
+            </a:r>
+            <a:r>
+              <a:rPr lang="en-US" sz="1200" dirty="0" err="1"/>
+              <a:t>std</a:t>
+            </a:r>
+            <a:r>
+              <a:rPr lang="en-US" sz="1200" dirty="0"/>
+              <a:t>::terminate() </a:t>
+            </a:r>
+            <a:endParaRPr lang="en-US" sz="1200" b="1" dirty="0"/>
+          </a:p>
+          <a:p>
+            <a:r>
+              <a:rPr lang="en-US" sz="1200" dirty="0"/>
+              <a:t>Memory management functions shall ensure the following: (a) deterministic behavior resulting with the existence of worst-case execution time, (b) avoiding memory fragmentation, (c) avoid running out of memory, (d) avoiding mismatched allocations or deallocations, (e) no dependence on non-deterministic calls to kernel</a:t>
+            </a:r>
+            <a:r>
+              <a:rPr lang="en-US" sz="1200" dirty="0" smtClean="0"/>
+              <a:t>.</a:t>
+            </a:r>
+          </a:p>
+          <a:p>
+            <a:r>
+              <a:rPr lang="en-US" sz="1200" dirty="0" smtClean="0"/>
+              <a:t>Dynamic memory:</a:t>
+            </a:r>
+          </a:p>
+          <a:p>
+            <a:pPr lvl="1"/>
+            <a:r>
+              <a:rPr lang="en-US" sz="1200" dirty="0" smtClean="0"/>
+              <a:t>Follow RAII if possible. It is not allowed to make calls to new and delete explicitly.</a:t>
+            </a:r>
+          </a:p>
+          <a:p>
+            <a:pPr lvl="1"/>
+            <a:r>
+              <a:rPr lang="en-US" sz="1200" dirty="0" smtClean="0"/>
+              <a:t>Memory allocators should guarantee no memory fragmentation</a:t>
+            </a:r>
+          </a:p>
+          <a:p>
+            <a:pPr lvl="1"/>
+            <a:r>
+              <a:rPr lang="en-US" sz="1200" dirty="0"/>
+              <a:t>No C-style memory allocation and deallocation allowed. They are not type safe and do not invoke class constructors and </a:t>
+            </a:r>
+            <a:r>
+              <a:rPr lang="en-US" sz="1200" dirty="0" err="1"/>
+              <a:t>deconstructors</a:t>
+            </a:r>
+            <a:r>
+              <a:rPr lang="en-US" sz="1200" dirty="0"/>
+              <a:t> </a:t>
+            </a:r>
+          </a:p>
+          <a:p>
+            <a:pPr lvl="1"/>
+            <a:r>
+              <a:rPr lang="en-US" sz="1200" dirty="0" smtClean="0"/>
+              <a:t>Application needs to define the maximum amount of dynamic memory it needs, running out of memory must not </a:t>
+            </a:r>
+            <a:r>
+              <a:rPr lang="en-US" sz="1200" dirty="0" err="1" smtClean="0"/>
+              <a:t>occure</a:t>
+            </a:r>
+            <a:r>
+              <a:rPr lang="en-US" sz="1200" dirty="0" smtClean="0"/>
+              <a:t> during faultless execution. Memory should be pre-allocated before run-time phase</a:t>
+            </a:r>
+          </a:p>
+          <a:p>
+            <a:pPr lvl="1"/>
+            <a:r>
+              <a:rPr lang="en-US" sz="1200" dirty="0" smtClean="0"/>
+              <a:t>Memory allocator and </a:t>
+            </a:r>
+            <a:r>
+              <a:rPr lang="en-US" sz="1200" dirty="0" err="1" smtClean="0"/>
+              <a:t>deallocators</a:t>
+            </a:r>
+            <a:r>
+              <a:rPr lang="en-US" sz="1200" dirty="0" smtClean="0"/>
+              <a:t> should guarantee a defined time constraint to ensure real time capability of the software</a:t>
+            </a:r>
+            <a:r>
+              <a:rPr lang="en-US" sz="1200" dirty="0"/>
+              <a:t/>
+            </a:r>
+            <a:br>
+              <a:rPr lang="en-US" sz="1200" dirty="0"/>
+            </a:br>
+            <a:r>
+              <a:rPr lang="en-US" sz="1200" dirty="0"/>
+              <a:t/>
+            </a:r>
+            <a:br>
+              <a:rPr lang="en-US" sz="1200" dirty="0"/>
+            </a:br>
+            <a:endParaRPr lang="en-US" sz="1200" dirty="0" smtClean="0"/>
+          </a:p>
+        </p:txBody>
+      </p:sp>
+    </p:spTree>
+    <p:extLst>
+      <p:ext uri="{BB962C8B-B14F-4D97-AF65-F5344CB8AC3E}">
+        <p14:creationId xmlns:p14="http://schemas.microsoft.com/office/powerpoint/2010/main" val="1215931702"/>
+      </p:ext>
+    </p:extLst>
+  </p:cSld>
+  <p:clrMapOvr>
+    <a:masterClrMapping/>
+  </p:clrMapOvr>
+  <p:timing>
+    <p:tnLst>
+      <p:par>
+        <p:cTn id="1" dur="indefinite" restart="never" nodeType="tmRoot"/>
+      </p:par>
+    </p:tnLst>
+  </p:timing>
+</p:sld>
+</file>
+
+<file path=ppt/slides/slide14.xml><?xml version="1.0" encoding="utf-8"?>
+<p:sld xmlns:a="http://schemas.openxmlformats.org/drawingml/2006/main" xmlns:r="http://schemas.openxmlformats.org/officeDocument/2006/relationships" xmlns:p="http://schemas.openxmlformats.org/presentationml/2006/main">
+  <p:cSld>
+    <p:spTree>
+      <p:nvGrpSpPr>
+        <p:cNvPr id="1" name=""/>
+        <p:cNvGrpSpPr/>
+        <p:nvPr/>
+      </p:nvGrpSpPr>
+      <p:grpSpPr>
+        <a:xfrm>
+          <a:off x="0" y="0"/>
+          <a:ext cx="0" cy="0"/>
+          <a:chOff x="0" y="0"/>
+          <a:chExt cx="0" cy="0"/>
+        </a:xfrm>
+      </p:grpSpPr>
+      <p:sp>
+        <p:nvSpPr>
+          <p:cNvPr id="5" name="Textplatzhalter 4"/>
+          <p:cNvSpPr>
+            <a:spLocks noGrp="1"/>
+          </p:cNvSpPr>
+          <p:nvPr>
+            <p:ph type="body" sz="quarter" idx="11"/>
+          </p:nvPr>
+        </p:nvSpPr>
+        <p:spPr/>
+        <p:txBody>
+          <a:bodyPr/>
+          <a:lstStyle/>
+          <a:p>
+            <a:r>
               <a:rPr lang="en-US" dirty="0" smtClean="0">
                 <a:solidFill>
                   <a:schemeClr val="bg2"/>
@@ -5705,7 +5863,7 @@
 </p:sld>
 </file>
 
-<file path=ppt/slides/slide14.xml><?xml version="1.0" encoding="utf-8"?>
+<file path=ppt/slides/slide15.xml><?xml version="1.0" encoding="utf-8"?>
 <p:sld xmlns:a="http://schemas.openxmlformats.org/drawingml/2006/main" xmlns:r="http://schemas.openxmlformats.org/officeDocument/2006/relationships" xmlns:p="http://schemas.openxmlformats.org/presentationml/2006/main">
   <p:cSld>
     <p:spTree>
@@ -6074,7 +6232,7 @@
                   <a14:useLocalDpi xmlns:a14="http://schemas.microsoft.com/office/drawing/2010/main" val="0"/>
                 </a:ext>
                 <a:ext uri="{96DAC541-7B7A-43D3-8B79-37D633B846F1}">
-                  <asvg:svgBlip xmlns:asvg="http://schemas.microsoft.com/office/drawing/2016/SVG/main" xmlns="" r:embed="rId4"/>
+                  <asvg:svgBlip xmlns="" xmlns:asvg="http://schemas.microsoft.com/office/drawing/2016/SVG/main" r:embed="rId4"/>
                 </a:ext>
               </a:extLst>
             </a:blip>
@@ -6113,7 +6271,7 @@
                   <a14:useLocalDpi xmlns:a14="http://schemas.microsoft.com/office/drawing/2010/main" val="0"/>
                 </a:ext>
                 <a:ext uri="{96DAC541-7B7A-43D3-8B79-37D633B846F1}">
-                  <asvg:svgBlip xmlns:asvg="http://schemas.microsoft.com/office/drawing/2016/SVG/main" xmlns="" r:embed="rId6"/>
+                  <asvg:svgBlip xmlns="" xmlns:asvg="http://schemas.microsoft.com/office/drawing/2016/SVG/main" r:embed="rId6"/>
                 </a:ext>
               </a:extLst>
             </a:blip>
@@ -6300,7 +6458,7 @@
 </p:sld>
 </file>
 
-<file path=ppt/slides/slide15.xml><?xml version="1.0" encoding="utf-8"?>
+<file path=ppt/slides/slide16.xml><?xml version="1.0" encoding="utf-8"?>
 <p:sld xmlns:a="http://schemas.openxmlformats.org/drawingml/2006/main" xmlns:r="http://schemas.openxmlformats.org/officeDocument/2006/relationships" xmlns:p="http://schemas.openxmlformats.org/presentationml/2006/main" show="0">
   <p:cSld>
     <p:spTree>
@@ -6357,7 +6515,7 @@
             <a:fld id="{F58435E4-A45A-4423-96D3-4E945C512564}" type="slidenum">
               <a:rPr lang="en-US" smtClean="0"/>
               <a:pPr/>
-              <a:t>15</a:t>
+              <a:t>16</a:t>
             </a:fld>
             <a:endParaRPr lang="en-US" dirty="0"/>
           </a:p>
@@ -13810,26 +13968,6 @@
 </file>
 
 <file path=customXml/item1.xml><?xml version="1.0" encoding="utf-8"?>
-<p:properties xmlns:p="http://schemas.microsoft.com/office/2006/metadata/properties" xmlns:xsi="http://www.w3.org/2001/XMLSchema-instance" xmlns:pc="http://schemas.microsoft.com/office/infopath/2007/PartnerControls">
-  <documentManagement>
-    <lcf76f155ced4ddcb4097134ff3c332f xmlns="4fb95d03-b6e5-4f22-a1e1-56277b59b9f1">
-      <Terms xmlns="http://schemas.microsoft.com/office/infopath/2007/PartnerControls"/>
-    </lcf76f155ced4ddcb4097134ff3c332f>
-    <TaxCatchAll xmlns="84b79380-0b27-46ab-9094-1a9833df88e4" xsi:nil="true"/>
-  </documentManagement>
-</p:properties>
-</file>
-
-<file path=customXml/item2.xml><?xml version="1.0" encoding="utf-8"?>
-<?mso-contentType ?>
-<FormTemplates xmlns="http://schemas.microsoft.com/sharepoint/v3/contenttype/forms">
-  <Display>DocumentLibraryForm</Display>
-  <Edit>DocumentLibraryForm</Edit>
-  <New>DocumentLibraryForm</New>
-</FormTemplates>
-</file>
-
-<file path=customXml/item3.xml><?xml version="1.0" encoding="utf-8"?>
 <ct:contentTypeSchema xmlns:ct="http://schemas.microsoft.com/office/2006/metadata/contentType" xmlns:ma="http://schemas.microsoft.com/office/2006/metadata/properties/metaAttributes" ct:_="" ma:_="" ma:contentTypeName="Dokument" ma:contentTypeID="0x0101002DC1095E8E727944AF076DC56D0D93BB" ma:contentTypeVersion="15" ma:contentTypeDescription="Ein neues Dokument erstellen." ma:contentTypeScope="" ma:versionID="32ed77bdd6deff97ff2273a7d546c5a2">
   <xsd:schema xmlns:xsd="http://www.w3.org/2001/XMLSchema" xmlns:xs="http://www.w3.org/2001/XMLSchema" xmlns:p="http://schemas.microsoft.com/office/2006/metadata/properties" xmlns:ns2="4fb95d03-b6e5-4f22-a1e1-56277b59b9f1" xmlns:ns3="84b79380-0b27-46ab-9094-1a9833df88e4" targetNamespace="http://schemas.microsoft.com/office/2006/metadata/properties" ma:root="true" ma:fieldsID="8af263ebb81788a16bd03ce1c1fe0394" ns2:_="" ns3:_="">
     <xsd:import namespace="4fb95d03-b6e5-4f22-a1e1-56277b59b9f1"/>
@@ -14060,32 +14198,27 @@
 </ct:contentTypeSchema>
 </file>
 
-<file path=customXml/itemProps1.xml><?xml version="1.0" encoding="utf-8"?>
-<ds:datastoreItem xmlns:ds="http://schemas.openxmlformats.org/officeDocument/2006/customXml" ds:itemID="{CF2DF9C9-466E-4FCA-9FE7-799231249F03}">
-  <ds:schemaRefs>
-    <ds:schemaRef ds:uri="http://schemas.microsoft.com/office/2006/documentManagement/types"/>
-    <ds:schemaRef ds:uri="http://schemas.microsoft.com/office/infopath/2007/PartnerControls"/>
-    <ds:schemaRef ds:uri="http://purl.org/dc/elements/1.1/"/>
-    <ds:schemaRef ds:uri="http://schemas.microsoft.com/office/2006/metadata/properties"/>
-    <ds:schemaRef ds:uri="84b79380-0b27-46ab-9094-1a9833df88e4"/>
-    <ds:schemaRef ds:uri="http://purl.org/dc/terms/"/>
-    <ds:schemaRef ds:uri="http://schemas.openxmlformats.org/package/2006/metadata/core-properties"/>
-    <ds:schemaRef ds:uri="4fb95d03-b6e5-4f22-a1e1-56277b59b9f1"/>
-    <ds:schemaRef ds:uri="http://www.w3.org/XML/1998/namespace"/>
-    <ds:schemaRef ds:uri="http://purl.org/dc/dcmitype/"/>
-  </ds:schemaRefs>
-</ds:datastoreItem>
+<file path=customXml/item2.xml><?xml version="1.0" encoding="utf-8"?>
+<?mso-contentType ?>
+<FormTemplates xmlns="http://schemas.microsoft.com/sharepoint/v3/contenttype/forms">
+  <Display>DocumentLibraryForm</Display>
+  <Edit>DocumentLibraryForm</Edit>
+  <New>DocumentLibraryForm</New>
+</FormTemplates>
 </file>
 
-<file path=customXml/itemProps2.xml><?xml version="1.0" encoding="utf-8"?>
-<ds:datastoreItem xmlns:ds="http://schemas.openxmlformats.org/officeDocument/2006/customXml" ds:itemID="{04DA275E-0AAB-4803-9119-F8B06F10BF4D}">
-  <ds:schemaRefs>
-    <ds:schemaRef ds:uri="http://schemas.microsoft.com/sharepoint/v3/contenttype/forms"/>
-  </ds:schemaRefs>
-</ds:datastoreItem>
+<file path=customXml/item3.xml><?xml version="1.0" encoding="utf-8"?>
+<p:properties xmlns:p="http://schemas.microsoft.com/office/2006/metadata/properties" xmlns:xsi="http://www.w3.org/2001/XMLSchema-instance" xmlns:pc="http://schemas.microsoft.com/office/infopath/2007/PartnerControls">
+  <documentManagement>
+    <lcf76f155ced4ddcb4097134ff3c332f xmlns="4fb95d03-b6e5-4f22-a1e1-56277b59b9f1">
+      <Terms xmlns="http://schemas.microsoft.com/office/infopath/2007/PartnerControls"/>
+    </lcf76f155ced4ddcb4097134ff3c332f>
+    <TaxCatchAll xmlns="84b79380-0b27-46ab-9094-1a9833df88e4" xsi:nil="true"/>
+  </documentManagement>
+</p:properties>
 </file>
 
-<file path=customXml/itemProps3.xml><?xml version="1.0" encoding="utf-8"?>
+<file path=customXml/itemProps1.xml><?xml version="1.0" encoding="utf-8"?>
 <ds:datastoreItem xmlns:ds="http://schemas.openxmlformats.org/officeDocument/2006/customXml" ds:itemID="{44819CB1-0191-46BA-8473-8FF56330A8C5}">
   <ds:schemaRefs>
     <ds:schemaRef ds:uri="http://schemas.microsoft.com/office/2006/metadata/contentType"/>
@@ -14102,4 +14235,29 @@
     <ds:schemaRef ds:uri="http://schemas.microsoft.com/internal/obd"/>
   </ds:schemaRefs>
 </ds:datastoreItem>
+</file>
+
+<file path=customXml/itemProps2.xml><?xml version="1.0" encoding="utf-8"?>
+<ds:datastoreItem xmlns:ds="http://schemas.openxmlformats.org/officeDocument/2006/customXml" ds:itemID="{04DA275E-0AAB-4803-9119-F8B06F10BF4D}">
+  <ds:schemaRefs>
+    <ds:schemaRef ds:uri="http://schemas.microsoft.com/sharepoint/v3/contenttype/forms"/>
+  </ds:schemaRefs>
+</ds:datastoreItem>
+</file>
+
+<file path=customXml/itemProps3.xml><?xml version="1.0" encoding="utf-8"?>
+<ds:datastoreItem xmlns:ds="http://schemas.openxmlformats.org/officeDocument/2006/customXml" ds:itemID="{CF2DF9C9-466E-4FCA-9FE7-799231249F03}">
+  <ds:schemaRefs>
+    <ds:schemaRef ds:uri="http://schemas.microsoft.com/office/2006/documentManagement/types"/>
+    <ds:schemaRef ds:uri="http://schemas.microsoft.com/office/infopath/2007/PartnerControls"/>
+    <ds:schemaRef ds:uri="http://purl.org/dc/elements/1.1/"/>
+    <ds:schemaRef ds:uri="http://schemas.microsoft.com/office/2006/metadata/properties"/>
+    <ds:schemaRef ds:uri="84b79380-0b27-46ab-9094-1a9833df88e4"/>
+    <ds:schemaRef ds:uri="http://purl.org/dc/terms/"/>
+    <ds:schemaRef ds:uri="http://schemas.openxmlformats.org/package/2006/metadata/core-properties"/>
+    <ds:schemaRef ds:uri="4fb95d03-b6e5-4f22-a1e1-56277b59b9f1"/>
+    <ds:schemaRef ds:uri="http://www.w3.org/XML/1998/namespace"/>
+    <ds:schemaRef ds:uri="http://purl.org/dc/dcmitype/"/>
+  </ds:schemaRefs>
+</ds:datastoreItem>
 </file>